--- a/PGGAN 발표.pptx
+++ b/PGGAN 발표.pptx
@@ -5052,7 +5052,7 @@
     <mc:Choice Requires="p14">
       <p:transition/>
     </mc:Choice>
-    <mc:Fallback xmlns:dsp="http://schemas.microsoft.com/office/drawing/2008/diagram" xmlns:dgm="http://schemas.openxmlformats.org/drawingml/2006/diagram" xmlns:c="http://schemas.openxmlformats.org/drawingml/2006/chart" xmlns="">
+    <mc:Fallback xmlns="" xmlns:c="http://schemas.openxmlformats.org/drawingml/2006/chart" xmlns:dgm="http://schemas.openxmlformats.org/drawingml/2006/diagram" xmlns:dsp="http://schemas.microsoft.com/office/drawing/2008/diagram">
       <p:transition/>
     </mc:Fallback>
   </mc:AlternateContent>
@@ -5280,7 +5280,7 @@
     <mc:Choice Requires="p14">
       <p:transition/>
     </mc:Choice>
-    <mc:Fallback xmlns:dsp="http://schemas.microsoft.com/office/drawing/2008/diagram" xmlns:dgm="http://schemas.openxmlformats.org/drawingml/2006/diagram" xmlns:c="http://schemas.openxmlformats.org/drawingml/2006/chart" xmlns="">
+    <mc:Fallback xmlns="" xmlns:c="http://schemas.openxmlformats.org/drawingml/2006/chart" xmlns:dgm="http://schemas.openxmlformats.org/drawingml/2006/diagram" xmlns:dsp="http://schemas.microsoft.com/office/drawing/2008/diagram">
       <p:transition/>
     </mc:Fallback>
   </mc:AlternateContent>
@@ -5607,7 +5607,7 @@
     <mc:Choice Requires="p14">
       <p:transition/>
     </mc:Choice>
-    <mc:Fallback xmlns:dsp="http://schemas.microsoft.com/office/drawing/2008/diagram" xmlns:dgm="http://schemas.openxmlformats.org/drawingml/2006/diagram" xmlns:c="http://schemas.openxmlformats.org/drawingml/2006/chart" xmlns="">
+    <mc:Fallback xmlns="" xmlns:c="http://schemas.openxmlformats.org/drawingml/2006/chart" xmlns:dgm="http://schemas.openxmlformats.org/drawingml/2006/diagram" xmlns:dsp="http://schemas.microsoft.com/office/drawing/2008/diagram">
       <p:transition/>
     </mc:Fallback>
   </mc:AlternateContent>
@@ -5832,7 +5832,7 @@
     <mc:Choice Requires="p14">
       <p:transition/>
     </mc:Choice>
-    <mc:Fallback xmlns:dsp="http://schemas.microsoft.com/office/drawing/2008/diagram" xmlns:dgm="http://schemas.openxmlformats.org/drawingml/2006/diagram" xmlns:c="http://schemas.openxmlformats.org/drawingml/2006/chart" xmlns="">
+    <mc:Fallback xmlns="" xmlns:c="http://schemas.openxmlformats.org/drawingml/2006/chart" xmlns:dgm="http://schemas.openxmlformats.org/drawingml/2006/diagram" xmlns:dsp="http://schemas.microsoft.com/office/drawing/2008/diagram">
       <p:transition/>
     </mc:Fallback>
   </mc:AlternateContent>
@@ -6159,7 +6159,7 @@
     <mc:Choice Requires="p14">
       <p:transition/>
     </mc:Choice>
-    <mc:Fallback xmlns:dsp="http://schemas.microsoft.com/office/drawing/2008/diagram" xmlns:dgm="http://schemas.openxmlformats.org/drawingml/2006/diagram" xmlns:c="http://schemas.openxmlformats.org/drawingml/2006/chart" xmlns="">
+    <mc:Fallback xmlns="" xmlns:c="http://schemas.openxmlformats.org/drawingml/2006/chart" xmlns:dgm="http://schemas.openxmlformats.org/drawingml/2006/diagram" xmlns:dsp="http://schemas.microsoft.com/office/drawing/2008/diagram">
       <p:transition/>
     </mc:Fallback>
   </mc:AlternateContent>
@@ -6448,7 +6448,7 @@
     <mc:Choice Requires="p14">
       <p:transition/>
     </mc:Choice>
-    <mc:Fallback xmlns:dsp="http://schemas.microsoft.com/office/drawing/2008/diagram" xmlns:dgm="http://schemas.openxmlformats.org/drawingml/2006/diagram" xmlns:c="http://schemas.openxmlformats.org/drawingml/2006/chart" xmlns="">
+    <mc:Fallback xmlns="" xmlns:c="http://schemas.openxmlformats.org/drawingml/2006/chart" xmlns:dgm="http://schemas.openxmlformats.org/drawingml/2006/diagram" xmlns:dsp="http://schemas.microsoft.com/office/drawing/2008/diagram">
       <p:transition/>
     </mc:Fallback>
   </mc:AlternateContent>
@@ -6551,7 +6551,7 @@
         </p:nvSpPr>
         <p:spPr>
           <a:xfrm>
-            <a:off x="2351759" y="1927343"/>
+            <a:off x="2008322" y="2123944"/>
             <a:ext cx="5171498" cy="2400657"/>
           </a:xfrm>
           <a:prstGeom prst="rect">
@@ -6671,7 +6671,7 @@
         </p:nvSpPr>
         <p:spPr>
           <a:xfrm>
-            <a:off x="6609366" y="2523777"/>
+            <a:off x="6609366" y="2387795"/>
             <a:ext cx="3574312" cy="3631763"/>
           </a:xfrm>
           <a:prstGeom prst="rect">
@@ -6835,7 +6835,7 @@
     <mc:Choice Requires="p14">
       <p:transition/>
     </mc:Choice>
-    <mc:Fallback xmlns:dsp="http://schemas.microsoft.com/office/drawing/2008/diagram" xmlns:dgm="http://schemas.openxmlformats.org/drawingml/2006/diagram" xmlns:c="http://schemas.openxmlformats.org/drawingml/2006/chart" xmlns="">
+    <mc:Fallback xmlns="" xmlns:c="http://schemas.openxmlformats.org/drawingml/2006/chart" xmlns:dgm="http://schemas.openxmlformats.org/drawingml/2006/diagram" xmlns:dsp="http://schemas.microsoft.com/office/drawing/2008/diagram">
       <p:transition/>
     </mc:Fallback>
   </mc:AlternateContent>
@@ -7172,7 +7172,7 @@
     <mc:Choice Requires="p14">
       <p:transition/>
     </mc:Choice>
-    <mc:Fallback xmlns:dsp="http://schemas.microsoft.com/office/drawing/2008/diagram" xmlns:dgm="http://schemas.openxmlformats.org/drawingml/2006/diagram" xmlns:c="http://schemas.openxmlformats.org/drawingml/2006/chart" xmlns="">
+    <mc:Fallback xmlns="" xmlns:c="http://schemas.openxmlformats.org/drawingml/2006/chart" xmlns:dgm="http://schemas.openxmlformats.org/drawingml/2006/diagram" xmlns:dsp="http://schemas.microsoft.com/office/drawing/2008/diagram">
       <p:transition/>
     </mc:Fallback>
   </mc:AlternateContent>
@@ -7408,7 +7408,7 @@
     <mc:Choice Requires="p14">
       <p:transition/>
     </mc:Choice>
-    <mc:Fallback xmlns:dsp="http://schemas.microsoft.com/office/drawing/2008/diagram" xmlns:dgm="http://schemas.openxmlformats.org/drawingml/2006/diagram" xmlns:c="http://schemas.openxmlformats.org/drawingml/2006/chart" xmlns="">
+    <mc:Fallback xmlns="" xmlns:c="http://schemas.openxmlformats.org/drawingml/2006/chart" xmlns:dgm="http://schemas.openxmlformats.org/drawingml/2006/diagram" xmlns:dsp="http://schemas.microsoft.com/office/drawing/2008/diagram">
       <p:transition/>
     </mc:Fallback>
   </mc:AlternateContent>
@@ -7778,7 +7778,7 @@
     <mc:Choice Requires="p14">
       <p:transition/>
     </mc:Choice>
-    <mc:Fallback xmlns:dsp="http://schemas.microsoft.com/office/drawing/2008/diagram" xmlns:dgm="http://schemas.openxmlformats.org/drawingml/2006/diagram" xmlns:c="http://schemas.openxmlformats.org/drawingml/2006/chart" xmlns="">
+    <mc:Fallback xmlns="" xmlns:c="http://schemas.openxmlformats.org/drawingml/2006/chart" xmlns:dgm="http://schemas.openxmlformats.org/drawingml/2006/diagram" xmlns:dsp="http://schemas.microsoft.com/office/drawing/2008/diagram">
       <p:transition/>
     </mc:Fallback>
   </mc:AlternateContent>
@@ -8199,7 +8199,7 @@
     <mc:Choice Requires="p14">
       <p:transition/>
     </mc:Choice>
-    <mc:Fallback xmlns:dsp="http://schemas.microsoft.com/office/drawing/2008/diagram" xmlns:dgm="http://schemas.openxmlformats.org/drawingml/2006/diagram" xmlns:c="http://schemas.openxmlformats.org/drawingml/2006/chart" xmlns="">
+    <mc:Fallback xmlns="" xmlns:c="http://schemas.openxmlformats.org/drawingml/2006/chart" xmlns:dgm="http://schemas.openxmlformats.org/drawingml/2006/diagram" xmlns:dsp="http://schemas.microsoft.com/office/drawing/2008/diagram">
       <p:transition/>
     </mc:Fallback>
   </mc:AlternateContent>
@@ -8588,7 +8588,7 @@
     <mc:Choice Requires="p14">
       <p:transition/>
     </mc:Choice>
-    <mc:Fallback xmlns:dsp="http://schemas.microsoft.com/office/drawing/2008/diagram" xmlns:dgm="http://schemas.openxmlformats.org/drawingml/2006/diagram" xmlns:c="http://schemas.openxmlformats.org/drawingml/2006/chart" xmlns="">
+    <mc:Fallback xmlns="" xmlns:c="http://schemas.openxmlformats.org/drawingml/2006/chart" xmlns:dgm="http://schemas.openxmlformats.org/drawingml/2006/diagram" xmlns:dsp="http://schemas.microsoft.com/office/drawing/2008/diagram">
       <p:transition/>
     </mc:Fallback>
   </mc:AlternateContent>
@@ -9006,7 +9006,7 @@
     <mc:Choice Requires="p14">
       <p:transition/>
     </mc:Choice>
-    <mc:Fallback xmlns:dsp="http://schemas.microsoft.com/office/drawing/2008/diagram" xmlns:dgm="http://schemas.openxmlformats.org/drawingml/2006/diagram" xmlns:c="http://schemas.openxmlformats.org/drawingml/2006/chart" xmlns="">
+    <mc:Fallback xmlns="" xmlns:c="http://schemas.openxmlformats.org/drawingml/2006/chart" xmlns:dgm="http://schemas.openxmlformats.org/drawingml/2006/diagram" xmlns:dsp="http://schemas.microsoft.com/office/drawing/2008/diagram">
       <p:transition/>
     </mc:Fallback>
   </mc:AlternateContent>
@@ -9452,7 +9452,7 @@
     <mc:Choice Requires="p14">
       <p:transition/>
     </mc:Choice>
-    <mc:Fallback xmlns:dsp="http://schemas.microsoft.com/office/drawing/2008/diagram" xmlns:dgm="http://schemas.openxmlformats.org/drawingml/2006/diagram" xmlns:c="http://schemas.openxmlformats.org/drawingml/2006/chart" xmlns="">
+    <mc:Fallback xmlns="" xmlns:c="http://schemas.openxmlformats.org/drawingml/2006/chart" xmlns:dgm="http://schemas.openxmlformats.org/drawingml/2006/diagram" xmlns:dsp="http://schemas.microsoft.com/office/drawing/2008/diagram">
       <p:transition/>
     </mc:Fallback>
   </mc:AlternateContent>
